--- a/Team3/week4/FBA_FML_Team3_Boosting&AdaBoost.pptx
+++ b/Team3/week4/FBA_FML_Team3_Boosting&AdaBoost.pptx
@@ -2408,19 +2408,7 @@
           <a:p>
             <a:r>
               <a:rPr lang="en-US" altLang="en-US" dirty="0" smtClean="0"/>
-              <a:t>Nov</a:t>
-            </a:r>
-            <a:r>
-              <a:rPr lang="en-US" altLang="en-US" dirty="0" smtClean="0"/>
-              <a:t>ember</a:t>
-            </a:r>
-            <a:r>
-              <a:rPr lang="en-US" altLang="en-US" dirty="0" smtClean="0"/>
-              <a:t> </a:t>
-            </a:r>
-            <a:r>
-              <a:rPr lang="en-US" altLang="en-US" dirty="0" smtClean="0"/>
-              <a:t>04</a:t>
+              <a:t>November 04</a:t>
             </a:r>
             <a:r>
               <a:rPr lang="en-US" altLang="en-US" baseline="30000" dirty="0" smtClean="0"/>
@@ -11442,11 +11430,23 @@
           <a:p>
             <a:r>
               <a:rPr kumimoji="1" lang="en-US" altLang="en-US" sz="2200" dirty="0" err="1" smtClean="0"/>
-              <a:t>AdaBoost</a:t>
+              <a:t>XGBoost</a:t>
             </a:r>
             <a:r>
               <a:rPr kumimoji="1" lang="en-US" altLang="en-US" sz="2200" dirty="0" smtClean="0"/>
-              <a:t> and Gradient Boost</a:t>
+              <a:t>, </a:t>
+            </a:r>
+            <a:r>
+              <a:rPr kumimoji="1" lang="en-US" altLang="en-US" sz="2200" dirty="0" err="1" smtClean="0"/>
+              <a:t>LightGBM</a:t>
+            </a:r>
+            <a:r>
+              <a:rPr kumimoji="1" lang="en-US" altLang="en-US" sz="2200" dirty="0" smtClean="0"/>
+              <a:t>, </a:t>
+            </a:r>
+            <a:r>
+              <a:rPr kumimoji="1" lang="en-US" altLang="en-US" sz="2200" dirty="0" err="1" smtClean="0"/>
+              <a:t>CatBoost</a:t>
             </a:r>
             <a:endParaRPr kumimoji="1" lang="ko-Kore-KR" altLang="en-US" sz="2200" dirty="0"/>
           </a:p>
@@ -11460,7 +11460,7 @@
         </p:nvSpPr>
         <p:spPr>
           <a:xfrm>
-            <a:off x="661321" y="1840705"/>
+            <a:off x="555812" y="1237294"/>
             <a:ext cx="4833870" cy="369332"/>
           </a:xfrm>
           <a:prstGeom prst="rect">
@@ -11476,11 +11476,11 @@
           <a:p>
             <a:r>
               <a:rPr lang="en-US" altLang="ko-KR" b="1" dirty="0" err="1" smtClean="0"/>
-              <a:t>AdaBoost</a:t>
+              <a:t>XGBoost</a:t>
             </a:r>
             <a:r>
               <a:rPr lang="en-US" altLang="ko-KR" b="1" dirty="0" smtClean="0"/>
-              <a:t> (Adaptive boosting)</a:t>
+              <a:t> ( Extreme Gradient Boosting)</a:t>
             </a:r>
             <a:endParaRPr lang="ko-KR" altLang="en-US" b="1" dirty="0"/>
           </a:p>
@@ -11488,14 +11488,14 @@
       </p:sp>
       <p:sp>
         <p:nvSpPr>
-          <p:cNvPr id="18" name="TextBox 17"/>
+          <p:cNvPr id="11" name="TextBox 10"/>
           <p:cNvSpPr txBox="1"/>
           <p:nvPr/>
         </p:nvSpPr>
         <p:spPr>
           <a:xfrm>
-            <a:off x="423929" y="1260055"/>
-            <a:ext cx="4833870" cy="400110"/>
+            <a:off x="708254" y="1665369"/>
+            <a:ext cx="9099089" cy="292388"/>
           </a:xfrm>
           <a:prstGeom prst="rect">
             <a:avLst/>
@@ -11509,14 +11509,26 @@
           <a:lstStyle/>
           <a:p>
             <a:r>
-              <a:rPr lang="en-US" altLang="ko-KR" sz="2000" b="1" dirty="0" err="1" smtClean="0"/>
-              <a:t>AdaBoost</a:t>
-            </a:r>
-            <a:r>
-              <a:rPr lang="en-US" altLang="ko-KR" sz="2000" b="1" dirty="0" smtClean="0"/>
-              <a:t> and Gradient Boost</a:t>
-            </a:r>
-            <a:endParaRPr lang="ko-KR" altLang="en-US" sz="2000" b="1" dirty="0"/>
+              <a:rPr lang="en-US" altLang="ko-KR" sz="1300" dirty="0" smtClean="0"/>
+              <a:t>Regression, Classification </a:t>
+            </a:r>
+            <a:r>
+              <a:rPr lang="ko-KR" altLang="en-US" sz="1300" dirty="0" smtClean="0"/>
+              <a:t>문제를 모두 지원하며</a:t>
+            </a:r>
+            <a:r>
+              <a:rPr lang="en-US" altLang="ko-KR" sz="1300" dirty="0" smtClean="0"/>
+              <a:t>, </a:t>
+            </a:r>
+            <a:r>
+              <a:rPr lang="ko-KR" altLang="en-US" sz="1300" dirty="0" smtClean="0"/>
+              <a:t>성능과 자원 효율이 좋음</a:t>
+            </a:r>
+            <a:r>
+              <a:rPr lang="en-US" altLang="ko-KR" sz="1300" dirty="0" smtClean="0"/>
+              <a:t>.</a:t>
+            </a:r>
+            <a:endParaRPr lang="ko-KR" altLang="en-US" sz="1300" dirty="0"/>
           </a:p>
         </p:txBody>
       </p:sp>
@@ -11528,8 +11540,8 @@
         </p:nvSpPr>
         <p:spPr>
           <a:xfrm>
-            <a:off x="661321" y="2306810"/>
-            <a:ext cx="4833870" cy="923330"/>
+            <a:off x="555812" y="2878174"/>
+            <a:ext cx="4833870" cy="369332"/>
           </a:xfrm>
           <a:prstGeom prst="rect">
             <a:avLst/>
@@ -11543,50 +11555,14 @@
           <a:lstStyle/>
           <a:p>
             <a:r>
+              <a:rPr lang="en-US" altLang="ko-KR" b="1" dirty="0" err="1" smtClean="0"/>
+              <a:t>Ligth</a:t>
+            </a:r>
+            <a:r>
               <a:rPr lang="en-US" altLang="ko-KR" b="1" dirty="0" smtClean="0"/>
-              <a:t>Gradient Boosting </a:t>
-            </a:r>
-            <a:endParaRPr lang="en-US" altLang="ko-KR" b="1" dirty="0"/>
-          </a:p>
-          <a:p>
-            <a:r>
-              <a:rPr lang="en-US" altLang="ko-KR" b="1" dirty="0" smtClean="0"/>
-              <a:t>= </a:t>
-            </a:r>
-            <a:r>
-              <a:rPr lang="ko-KR" altLang="en-US" b="1" dirty="0" err="1" smtClean="0"/>
-              <a:t>경사하강법</a:t>
-            </a:r>
-            <a:r>
-              <a:rPr lang="ko-KR" altLang="en-US" b="1" dirty="0" smtClean="0"/>
-              <a:t> </a:t>
-            </a:r>
-            <a:r>
-              <a:rPr lang="en-US" altLang="ko-KR" b="1" dirty="0" smtClean="0"/>
-              <a:t>(</a:t>
-            </a:r>
-            <a:r>
-              <a:rPr lang="en-US" altLang="ko-KR" b="1" dirty="0" err="1" smtClean="0"/>
-              <a:t>Gradiend</a:t>
-            </a:r>
-            <a:r>
-              <a:rPr lang="en-US" altLang="ko-KR" b="1" dirty="0" smtClean="0"/>
-              <a:t> Descent)</a:t>
-            </a:r>
-          </a:p>
-          <a:p>
-            <a:r>
-              <a:rPr lang="en-US" altLang="ko-KR" b="1" dirty="0" smtClean="0"/>
-              <a:t>+ </a:t>
-            </a:r>
-            <a:r>
-              <a:rPr lang="ko-KR" altLang="en-US" b="1" dirty="0" err="1" smtClean="0"/>
-              <a:t>부스팅</a:t>
-            </a:r>
-            <a:r>
-              <a:rPr lang="en-US" altLang="ko-KR" b="1" dirty="0" smtClean="0"/>
-              <a:t>(Boosting)</a:t>
-            </a:r>
+              <a:t> GBM</a:t>
+            </a:r>
+            <a:endParaRPr lang="ko-KR" altLang="en-US" b="1" dirty="0"/>
           </a:p>
         </p:txBody>
       </p:sp>
@@ -11598,8 +11574,8 @@
         </p:nvSpPr>
         <p:spPr>
           <a:xfrm>
-            <a:off x="840138" y="3279860"/>
-            <a:ext cx="4417661" cy="292388"/>
+            <a:off x="661321" y="3311131"/>
+            <a:ext cx="6135133" cy="292388"/>
           </a:xfrm>
           <a:prstGeom prst="rect">
             <a:avLst/>
@@ -11613,16 +11589,86 @@
           <a:lstStyle/>
           <a:p>
             <a:r>
+              <a:rPr lang="en-US" altLang="ko-KR" sz="1300" dirty="0" err="1" smtClean="0"/>
+              <a:t>LightGBM</a:t>
+            </a:r>
+            <a:r>
+              <a:rPr lang="ko-KR" altLang="en-US" sz="1300" dirty="0" smtClean="0"/>
+              <a:t>의 메인 기술은 </a:t>
+            </a:r>
+            <a:r>
+              <a:rPr lang="en-US" altLang="ko-KR" sz="1300" dirty="0" smtClean="0"/>
+              <a:t>GOSS (Gradient-based One-Side Sampling) </a:t>
+            </a:r>
+            <a:r>
+              <a:rPr lang="ko-KR" altLang="en-US" sz="1300" dirty="0" smtClean="0"/>
+              <a:t>이다</a:t>
+            </a:r>
+            <a:r>
+              <a:rPr lang="en-US" altLang="ko-KR" sz="1300" dirty="0" smtClean="0"/>
+              <a:t>.</a:t>
+            </a:r>
+            <a:endParaRPr lang="ko-KR" altLang="en-US" sz="1300" dirty="0"/>
+          </a:p>
+        </p:txBody>
+      </p:sp>
+      <p:sp>
+        <p:nvSpPr>
+          <p:cNvPr id="10" name="TextBox 9"/>
+          <p:cNvSpPr txBox="1"/>
+          <p:nvPr/>
+        </p:nvSpPr>
+        <p:spPr>
+          <a:xfrm>
+            <a:off x="708253" y="1953833"/>
+            <a:ext cx="9099089" cy="292388"/>
+          </a:xfrm>
+          <a:prstGeom prst="rect">
+            <a:avLst/>
+          </a:prstGeom>
+          <a:noFill/>
+        </p:spPr>
+        <p:txBody>
+          <a:bodyPr wrap="square" rtlCol="0">
+            <a:spAutoFit/>
+          </a:bodyPr>
+          <a:lstStyle/>
+          <a:p>
+            <a:r>
+              <a:rPr lang="en-US" altLang="ko-KR" sz="1300" dirty="0" err="1" smtClean="0"/>
+              <a:t>GbM</a:t>
+            </a:r>
+            <a:r>
+              <a:rPr lang="en-US" altLang="ko-KR" sz="1300" dirty="0" smtClean="0"/>
+              <a:t> </a:t>
+            </a:r>
+            <a:r>
+              <a:rPr lang="ko-KR" altLang="en-US" sz="1300" dirty="0" smtClean="0"/>
+              <a:t>대비 빠른 </a:t>
+            </a:r>
+            <a:r>
               <a:rPr lang="ko-KR" altLang="en-US" sz="1300" dirty="0" err="1" smtClean="0"/>
-              <a:t>손실함수를</a:t>
+              <a:t>수행시간</a:t>
+            </a:r>
+            <a:r>
+              <a:rPr lang="en-US" altLang="ko-KR" sz="1300" dirty="0" smtClean="0"/>
+              <a:t>(</a:t>
             </a:r>
             <a:r>
               <a:rPr lang="ko-KR" altLang="en-US" sz="1300" dirty="0" smtClean="0"/>
-              <a:t> 최소화하는 방향으로 </a:t>
-            </a:r>
-            <a:r>
-              <a:rPr lang="ko-KR" altLang="en-US" sz="1300" dirty="0" err="1" smtClean="0"/>
-              <a:t>합습</a:t>
+              <a:t>병렬 처리로 학습</a:t>
+            </a:r>
+            <a:r>
+              <a:rPr lang="en-US" altLang="ko-KR" sz="1300" dirty="0" smtClean="0"/>
+              <a:t>, </a:t>
+            </a:r>
+            <a:r>
+              <a:rPr lang="ko-KR" altLang="en-US" sz="1300" dirty="0" smtClean="0"/>
+              <a:t>분류 속도가 빠름</a:t>
+            </a:r>
+            <a:r>
+              <a:rPr lang="en-US" altLang="ko-KR" sz="1300" dirty="0" smtClean="0"/>
+              <a:t>)</a:t>
             </a:r>
             <a:endParaRPr lang="ko-KR" altLang="en-US" sz="1300" dirty="0"/>
           </a:p>
@@ -11636,8 +11682,8 @@
         </p:nvSpPr>
         <p:spPr>
           <a:xfrm>
-            <a:off x="840138" y="3622074"/>
-            <a:ext cx="4189062" cy="292388"/>
+            <a:off x="661321" y="3610764"/>
+            <a:ext cx="9062971" cy="492443"/>
           </a:xfrm>
           <a:prstGeom prst="rect">
             <a:avLst/>
@@ -11651,69 +11697,55 @@
           <a:lstStyle/>
           <a:p>
             <a:r>
+              <a:rPr lang="en-US" altLang="ko-KR" sz="1300" dirty="0" smtClean="0"/>
+              <a:t>Goss</a:t>
+            </a:r>
+            <a:r>
               <a:rPr lang="ko-KR" altLang="en-US" sz="1300" dirty="0" smtClean="0"/>
-              <a:t>내가 원하는 </a:t>
+              <a:t>는 </a:t>
             </a:r>
             <a:r>
               <a:rPr lang="en-US" altLang="ko-KR" sz="1300" dirty="0" smtClean="0"/>
-              <a:t>Loss function </a:t>
+              <a:t>information gain</a:t>
             </a:r>
             <a:r>
               <a:rPr lang="ko-KR" altLang="en-US" sz="1300" dirty="0" smtClean="0"/>
-              <a:t>사용</a:t>
-            </a:r>
-            <a:endParaRPr lang="ko-KR" altLang="en-US" sz="1300" dirty="0"/>
-          </a:p>
-        </p:txBody>
-      </p:sp>
-      <p:sp>
-        <p:nvSpPr>
-          <p:cNvPr id="19" name="TextBox 18"/>
-          <p:cNvSpPr txBox="1"/>
-          <p:nvPr/>
-        </p:nvSpPr>
-        <p:spPr>
-          <a:xfrm>
-            <a:off x="816673" y="3963907"/>
-            <a:ext cx="8470915" cy="492443"/>
-          </a:xfrm>
-          <a:prstGeom prst="rect">
-            <a:avLst/>
-          </a:prstGeom>
-          <a:noFill/>
-        </p:spPr>
-        <p:txBody>
-          <a:bodyPr wrap="square" rtlCol="0">
-            <a:spAutoFit/>
-          </a:bodyPr>
-          <a:lstStyle/>
-          <a:p>
+              <a:t>을 계산할 때 기울기가 작은</a:t>
+            </a:r>
+            <a:r>
+              <a:rPr lang="en-US" altLang="ko-KR" sz="1300" dirty="0" smtClean="0"/>
+              <a:t>(</a:t>
+            </a:r>
             <a:r>
               <a:rPr lang="ko-KR" altLang="en-US" sz="1300" dirty="0" smtClean="0"/>
-              <a:t>경사하강법은</a:t>
+              <a:t>가중치가 작은</a:t>
             </a:r>
             <a:r>
               <a:rPr lang="en-US" altLang="ko-KR" sz="1300" dirty="0" smtClean="0"/>
-              <a:t> </a:t>
+              <a:t>) </a:t>
             </a:r>
             <a:r>
               <a:rPr lang="ko-KR" altLang="en-US" sz="1300" dirty="0" smtClean="0"/>
-              <a:t>주어진 함수의 </a:t>
+              <a:t>개체에 </a:t>
             </a:r>
             <a:r>
               <a:rPr lang="ko-KR" altLang="en-US" sz="1300" dirty="0" err="1" smtClean="0"/>
-              <a:t>극소값을</a:t>
+              <a:t>승수상수를</a:t>
             </a:r>
             <a:r>
               <a:rPr lang="ko-KR" altLang="en-US" sz="1300" dirty="0" smtClean="0"/>
-              <a:t> 찾는데 </a:t>
+              <a:t> 적용하여 데이터를 증폭시킴</a:t>
             </a:r>
             <a:endParaRPr lang="en-US" altLang="ko-KR" sz="1300" dirty="0" smtClean="0"/>
           </a:p>
           <a:p>
             <a:r>
+              <a:rPr lang="en-US" altLang="ko-KR" sz="1300" dirty="0" smtClean="0"/>
+              <a:t> -&gt; </a:t>
+            </a:r>
+            <a:r>
               <a:rPr lang="ko-KR" altLang="en-US" sz="1300" dirty="0" smtClean="0"/>
-              <a:t>사용되는 최적화 알고리즘이다</a:t>
+              <a:t>데이터 분포를 많이 변경하지 않고도 훈련이 덜 된 개체에 초점을 보다 잘 맞춤</a:t>
             </a:r>
             <a:r>
               <a:rPr lang="en-US" altLang="ko-KR" sz="1300" dirty="0" smtClean="0"/>
@@ -11731,7 +11763,7 @@
         </p:nvSpPr>
         <p:spPr>
           <a:xfrm>
-            <a:off x="423929" y="4548314"/>
+            <a:off x="555812" y="4237705"/>
             <a:ext cx="4833870" cy="369332"/>
           </a:xfrm>
           <a:prstGeom prst="rect">
@@ -11746,16 +11778,12 @@
           <a:lstStyle/>
           <a:p>
             <a:r>
+              <a:rPr lang="en-US" altLang="ko-KR" b="1" dirty="0" err="1" smtClean="0"/>
+              <a:t>CatBoost</a:t>
+            </a:r>
+            <a:r>
               <a:rPr lang="en-US" altLang="ko-KR" b="1" dirty="0" smtClean="0"/>
-              <a:t>Gradient Boosting </a:t>
-            </a:r>
-            <a:r>
-              <a:rPr lang="ko-KR" altLang="en-US" b="1" dirty="0" smtClean="0"/>
-              <a:t>파생된 </a:t>
-            </a:r>
-            <a:r>
-              <a:rPr lang="en-US" altLang="ko-KR" b="1" dirty="0" smtClean="0"/>
-              <a:t>Boosting</a:t>
+              <a:t> (Categorical Boosting)</a:t>
             </a:r>
             <a:endParaRPr lang="ko-KR" altLang="en-US" b="1" dirty="0"/>
           </a:p>
@@ -11763,14 +11791,14 @@
       </p:sp>
       <p:sp>
         <p:nvSpPr>
-          <p:cNvPr id="22" name="TextBox 21"/>
+          <p:cNvPr id="16" name="TextBox 15"/>
           <p:cNvSpPr txBox="1"/>
           <p:nvPr/>
         </p:nvSpPr>
         <p:spPr>
           <a:xfrm>
-            <a:off x="661321" y="5085897"/>
-            <a:ext cx="4189062" cy="323165"/>
+            <a:off x="661321" y="4618035"/>
+            <a:ext cx="4189062" cy="292388"/>
           </a:xfrm>
           <a:prstGeom prst="rect">
             <a:avLst/>
@@ -11784,57 +11812,222 @@
           <a:lstStyle/>
           <a:p>
             <a:r>
-              <a:rPr lang="en-US" altLang="ko-KR" sz="1500" b="1" dirty="0" err="1" smtClean="0"/>
-              <a:t>XGBoost</a:t>
-            </a:r>
-            <a:r>
-              <a:rPr lang="en-US" altLang="ko-KR" sz="1500" b="1" dirty="0" smtClean="0"/>
-              <a:t>, </a:t>
-            </a:r>
-            <a:r>
-              <a:rPr lang="en-US" altLang="ko-KR" sz="1500" b="1" dirty="0" err="1" smtClean="0"/>
-              <a:t>LightGBM</a:t>
-            </a:r>
-            <a:r>
-              <a:rPr lang="en-US" altLang="ko-KR" sz="1500" b="1" dirty="0" smtClean="0"/>
-              <a:t>, </a:t>
-            </a:r>
-            <a:r>
-              <a:rPr lang="en-US" altLang="ko-KR" sz="1500" b="1" dirty="0" err="1" smtClean="0"/>
-              <a:t>CatBoost</a:t>
-            </a:r>
-            <a:endParaRPr lang="ko-KR" altLang="en-US" sz="1500" b="1" dirty="0"/>
+              <a:rPr lang="en-US" altLang="ko-KR" sz="1300" dirty="0" smtClean="0"/>
+              <a:t>Categorical feature</a:t>
+            </a:r>
+            <a:r>
+              <a:rPr lang="ko-KR" altLang="en-US" sz="1300" dirty="0" smtClean="0"/>
+              <a:t>를 처리하는데 중점을 둔 알고리즘</a:t>
+            </a:r>
+            <a:r>
+              <a:rPr lang="en-US" altLang="ko-KR" sz="1300" dirty="0" smtClean="0"/>
+              <a:t>.</a:t>
+            </a:r>
+            <a:endParaRPr lang="ko-KR" altLang="en-US" sz="1300" dirty="0"/>
           </a:p>
         </p:txBody>
       </p:sp>
-      <p:pic>
-        <p:nvPicPr>
-          <p:cNvPr id="3" name="그림 2"/>
-          <p:cNvPicPr>
-            <a:picLocks noChangeAspect="1"/>
-          </p:cNvPicPr>
+      <p:sp>
+        <p:nvSpPr>
+          <p:cNvPr id="17" name="TextBox 16"/>
+          <p:cNvSpPr txBox="1"/>
           <p:nvPr/>
-        </p:nvPicPr>
-        <p:blipFill>
-          <a:blip r:embed="rId2"/>
-          <a:stretch>
-            <a:fillRect/>
-          </a:stretch>
-        </p:blipFill>
-        <p:spPr>
-          <a:xfrm>
-            <a:off x="4666517" y="2378288"/>
-            <a:ext cx="3536706" cy="2220122"/>
-          </a:xfrm>
-          <a:prstGeom prst="rect">
-            <a:avLst/>
-          </a:prstGeom>
-        </p:spPr>
-      </p:pic>
+        </p:nvSpPr>
+        <p:spPr>
+          <a:xfrm>
+            <a:off x="708253" y="4932369"/>
+            <a:ext cx="8286278" cy="492443"/>
+          </a:xfrm>
+          <a:prstGeom prst="rect">
+            <a:avLst/>
+          </a:prstGeom>
+          <a:noFill/>
+        </p:spPr>
+        <p:txBody>
+          <a:bodyPr wrap="square" rtlCol="0">
+            <a:spAutoFit/>
+          </a:bodyPr>
+          <a:lstStyle/>
+          <a:p>
+            <a:r>
+              <a:rPr lang="ko-KR" altLang="en-US" sz="1300" dirty="0" smtClean="0"/>
+              <a:t>기존 </a:t>
+            </a:r>
+            <a:r>
+              <a:rPr lang="en-US" altLang="ko-KR" sz="1300" dirty="0" smtClean="0"/>
+              <a:t>GBM</a:t>
+            </a:r>
+            <a:r>
+              <a:rPr lang="ko-KR" altLang="en-US" sz="1300" dirty="0" smtClean="0"/>
+              <a:t>기반 알고리즘들이 가지고 있는 </a:t>
+            </a:r>
+            <a:r>
+              <a:rPr lang="en-US" altLang="ko-KR" sz="1300" dirty="0" smtClean="0"/>
+              <a:t>Target leakage </a:t>
+            </a:r>
+            <a:r>
+              <a:rPr lang="ko-KR" altLang="en-US" sz="1300" dirty="0" smtClean="0"/>
+              <a:t>문제와 범주형 변수 처리 문제를 </a:t>
+            </a:r>
+            <a:endParaRPr lang="en-US" altLang="ko-KR" sz="1300" dirty="0" smtClean="0"/>
+          </a:p>
+          <a:p>
+            <a:r>
+              <a:rPr lang="en-US" altLang="ko-KR" sz="1300" dirty="0" smtClean="0"/>
+              <a:t>ordering principle</a:t>
+            </a:r>
+            <a:r>
+              <a:rPr lang="ko-KR" altLang="en-US" sz="1300" dirty="0" smtClean="0"/>
+              <a:t>과 새로운 범주형 변수 처리 방법으로 해결</a:t>
+            </a:r>
+            <a:endParaRPr lang="ko-KR" altLang="en-US" sz="1300" dirty="0"/>
+          </a:p>
+        </p:txBody>
+      </p:sp>
+      <p:sp>
+        <p:nvSpPr>
+          <p:cNvPr id="21" name="TextBox 20"/>
+          <p:cNvSpPr txBox="1"/>
+          <p:nvPr/>
+        </p:nvSpPr>
+        <p:spPr>
+          <a:xfrm>
+            <a:off x="708252" y="2238579"/>
+            <a:ext cx="9099089" cy="292388"/>
+          </a:xfrm>
+          <a:prstGeom prst="rect">
+            <a:avLst/>
+          </a:prstGeom>
+          <a:noFill/>
+        </p:spPr>
+        <p:txBody>
+          <a:bodyPr wrap="square" rtlCol="0">
+            <a:spAutoFit/>
+          </a:bodyPr>
+          <a:lstStyle/>
+          <a:p>
+            <a:r>
+              <a:rPr lang="ko-KR" altLang="en-US" sz="1300" dirty="0" err="1" smtClean="0"/>
+              <a:t>과적합</a:t>
+            </a:r>
+            <a:r>
+              <a:rPr lang="ko-KR" altLang="en-US" sz="1300" dirty="0" smtClean="0"/>
+              <a:t> 규제 </a:t>
+            </a:r>
+            <a:r>
+              <a:rPr lang="en-US" altLang="ko-KR" sz="1300" dirty="0" smtClean="0"/>
+              <a:t>(</a:t>
+            </a:r>
+            <a:r>
+              <a:rPr lang="ko-KR" altLang="en-US" sz="1300" dirty="0" smtClean="0"/>
+              <a:t>표준 </a:t>
+            </a:r>
+            <a:r>
+              <a:rPr lang="en-US" altLang="ko-KR" sz="1300" dirty="0" err="1" smtClean="0"/>
+              <a:t>GbM</a:t>
+            </a:r>
+            <a:r>
+              <a:rPr lang="en-US" altLang="ko-KR" sz="1300" dirty="0" smtClean="0"/>
+              <a:t> </a:t>
+            </a:r>
+            <a:r>
+              <a:rPr lang="ko-KR" altLang="en-US" sz="1300" dirty="0" smtClean="0"/>
+              <a:t>경우 </a:t>
+            </a:r>
+            <a:r>
+              <a:rPr lang="ko-KR" altLang="en-US" sz="1300" dirty="0" err="1" smtClean="0"/>
+              <a:t>과적합</a:t>
+            </a:r>
+            <a:r>
+              <a:rPr lang="ko-KR" altLang="en-US" sz="1300" dirty="0" smtClean="0"/>
+              <a:t> </a:t>
+            </a:r>
+            <a:r>
+              <a:rPr lang="ko-KR" altLang="en-US" sz="1300" dirty="0" err="1" smtClean="0"/>
+              <a:t>규제기능이</a:t>
+            </a:r>
+            <a:r>
+              <a:rPr lang="ko-KR" altLang="en-US" sz="1300" dirty="0" smtClean="0"/>
+              <a:t> 없으나 </a:t>
+            </a:r>
+            <a:r>
+              <a:rPr lang="en-US" altLang="ko-KR" sz="1300" dirty="0" err="1" smtClean="0"/>
+              <a:t>XGBoost</a:t>
+            </a:r>
+            <a:r>
+              <a:rPr lang="ko-KR" altLang="en-US" sz="1300" dirty="0" smtClean="0"/>
+              <a:t>는 자체에 </a:t>
+            </a:r>
+            <a:r>
+              <a:rPr lang="ko-KR" altLang="en-US" sz="1300" dirty="0" err="1" smtClean="0"/>
+              <a:t>과적합</a:t>
+            </a:r>
+            <a:r>
+              <a:rPr lang="ko-KR" altLang="en-US" sz="1300" dirty="0" smtClean="0"/>
+              <a:t> 규제 기능으로 강한 내구성 지님</a:t>
+            </a:r>
+            <a:r>
+              <a:rPr lang="en-US" altLang="ko-KR" sz="1300" dirty="0" smtClean="0"/>
+              <a:t>)</a:t>
+            </a:r>
+            <a:endParaRPr lang="ko-KR" altLang="en-US" sz="1300" dirty="0"/>
+          </a:p>
+        </p:txBody>
+      </p:sp>
+      <p:sp>
+        <p:nvSpPr>
+          <p:cNvPr id="23" name="TextBox 22"/>
+          <p:cNvSpPr txBox="1"/>
+          <p:nvPr/>
+        </p:nvSpPr>
+        <p:spPr>
+          <a:xfrm>
+            <a:off x="708252" y="2557026"/>
+            <a:ext cx="9099089" cy="292388"/>
+          </a:xfrm>
+          <a:prstGeom prst="rect">
+            <a:avLst/>
+          </a:prstGeom>
+          <a:noFill/>
+        </p:spPr>
+        <p:txBody>
+          <a:bodyPr wrap="square" rtlCol="0">
+            <a:spAutoFit/>
+          </a:bodyPr>
+          <a:lstStyle/>
+          <a:p>
+            <a:r>
+              <a:rPr lang="ko-KR" altLang="en-US" sz="1300" dirty="0" smtClean="0"/>
+              <a:t>분류와 회귀영역에서 뛰어난 예측 성능 발휘 </a:t>
+            </a:r>
+            <a:r>
+              <a:rPr lang="en-US" altLang="ko-KR" sz="1300" dirty="0" smtClean="0"/>
+              <a:t>(</a:t>
+            </a:r>
+            <a:r>
+              <a:rPr lang="ko-KR" altLang="en-US" sz="1300" dirty="0" smtClean="0"/>
+              <a:t>즉</a:t>
+            </a:r>
+            <a:r>
+              <a:rPr lang="en-US" altLang="ko-KR" sz="1300" dirty="0" smtClean="0"/>
+              <a:t>, CART{Classification and regression tree}</a:t>
+            </a:r>
+            <a:r>
+              <a:rPr lang="ko-KR" altLang="en-US" sz="1300" dirty="0" smtClean="0"/>
+              <a:t>의 앙상블 모델을 사용</a:t>
+            </a:r>
+            <a:r>
+              <a:rPr lang="en-US" altLang="ko-KR" sz="1300" dirty="0" smtClean="0"/>
+              <a:t>)</a:t>
+            </a:r>
+            <a:endParaRPr lang="ko-KR" altLang="en-US" sz="1300" dirty="0"/>
+          </a:p>
+        </p:txBody>
+      </p:sp>
     </p:spTree>
     <p:extLst>
       <p:ext uri="{BB962C8B-B14F-4D97-AF65-F5344CB8AC3E}">
-        <p14:creationId xmlns:p14="http://schemas.microsoft.com/office/powerpoint/2010/main" val="1507003617"/>
+        <p14:creationId xmlns:p14="http://schemas.microsoft.com/office/powerpoint/2010/main" val="821103570"/>
       </p:ext>
     </p:extLst>
   </p:cSld>
